--- a/ppt 16-9/0829.没药山.pptx
+++ b/ppt 16-9/0829.没药山.pptx
@@ -5,7 +5,7 @@
     <p:sldMasterId id="2147483648" r:id="rId1"/>
   </p:sldMasterIdLst>
   <p:sldIdLst>
-    <p:sldId id="2113" r:id="rId2"/>
+    <p:sldId id="2114" r:id="rId2"/>
   </p:sldIdLst>
   <p:sldSz cx="12192000" cy="6858000"/>
   <p:notesSz cx="6858000" cy="9144000"/>
@@ -129,7 +129,7 @@
           <p:cNvPr id="2" name="标题 1">
             <a:extLst>
               <a:ext uri="{FF2B5EF4-FFF2-40B4-BE49-F238E27FC236}">
-                <a16:creationId xmlns:a16="http://schemas.microsoft.com/office/drawing/2014/main" id="{CAAF239A-04F7-17C0-7098-E4FD2756C503}"/>
+                <a16:creationId xmlns:a16="http://schemas.microsoft.com/office/drawing/2014/main" id="{33ABC86C-3233-BAAE-326E-0B265C422DC2}"/>
               </a:ext>
             </a:extLst>
           </p:cNvPr>
@@ -166,7 +166,7 @@
           <p:cNvPr id="3" name="副标题 2">
             <a:extLst>
               <a:ext uri="{FF2B5EF4-FFF2-40B4-BE49-F238E27FC236}">
-                <a16:creationId xmlns:a16="http://schemas.microsoft.com/office/drawing/2014/main" id="{5BC14912-6832-B1C9-6061-6434D1A1491A}"/>
+                <a16:creationId xmlns:a16="http://schemas.microsoft.com/office/drawing/2014/main" id="{FD115F85-BC5B-3827-B733-CA5565F41984}"/>
               </a:ext>
             </a:extLst>
           </p:cNvPr>
@@ -236,7 +236,7 @@
           <p:cNvPr id="4" name="日期占位符 3">
             <a:extLst>
               <a:ext uri="{FF2B5EF4-FFF2-40B4-BE49-F238E27FC236}">
-                <a16:creationId xmlns:a16="http://schemas.microsoft.com/office/drawing/2014/main" id="{294D037F-7DAE-545F-3DC4-68674002051B}"/>
+                <a16:creationId xmlns:a16="http://schemas.microsoft.com/office/drawing/2014/main" id="{0B08629C-C0DF-73E8-B435-C4D3684E3CDB}"/>
               </a:ext>
             </a:extLst>
           </p:cNvPr>
@@ -252,7 +252,7 @@
           <a:bodyPr/>
           <a:lstStyle/>
           <a:p>
-            <a:fld id="{1BE9911D-7C79-469D-BA47-65BE85705E4A}" type="datetimeFigureOut">
+            <a:fld id="{A0B4923F-0105-493B-A73F-5AE4E5948EDA}" type="datetimeFigureOut">
               <a:rPr lang="zh-CN" altLang="en-US" smtClean="0"/>
               <a:t>2024/3/10</a:t>
             </a:fld>
@@ -265,7 +265,7 @@
           <p:cNvPr id="5" name="页脚占位符 4">
             <a:extLst>
               <a:ext uri="{FF2B5EF4-FFF2-40B4-BE49-F238E27FC236}">
-                <a16:creationId xmlns:a16="http://schemas.microsoft.com/office/drawing/2014/main" id="{C4AAA37D-5197-1AFB-8C8B-9F5E68B46D0A}"/>
+                <a16:creationId xmlns:a16="http://schemas.microsoft.com/office/drawing/2014/main" id="{59D80009-3B77-A572-8F9E-89A100EF5EC4}"/>
               </a:ext>
             </a:extLst>
           </p:cNvPr>
@@ -290,7 +290,7 @@
           <p:cNvPr id="6" name="灯片编号占位符 5">
             <a:extLst>
               <a:ext uri="{FF2B5EF4-FFF2-40B4-BE49-F238E27FC236}">
-                <a16:creationId xmlns:a16="http://schemas.microsoft.com/office/drawing/2014/main" id="{E26EA7DC-ED94-8629-85B7-0A688FE6886C}"/>
+                <a16:creationId xmlns:a16="http://schemas.microsoft.com/office/drawing/2014/main" id="{A40D9808-6F65-D4CD-B16D-2B115B2C2E5A}"/>
               </a:ext>
             </a:extLst>
           </p:cNvPr>
@@ -306,7 +306,7 @@
           <a:bodyPr/>
           <a:lstStyle/>
           <a:p>
-            <a:fld id="{5DE495C7-14C0-40B1-9733-43DFC5CDF328}" type="slidenum">
+            <a:fld id="{ED17C313-A2AF-4380-861F-9CC1A08058F8}" type="slidenum">
               <a:rPr lang="zh-CN" altLang="en-US" smtClean="0"/>
               <a:t>‹#›</a:t>
             </a:fld>
@@ -317,7 +317,7 @@
     </p:spTree>
     <p:extLst>
       <p:ext uri="{BB962C8B-B14F-4D97-AF65-F5344CB8AC3E}">
-        <p14:creationId xmlns:p14="http://schemas.microsoft.com/office/powerpoint/2010/main" val="3189736605"/>
+        <p14:creationId xmlns:p14="http://schemas.microsoft.com/office/powerpoint/2010/main" val="4180723186"/>
       </p:ext>
     </p:extLst>
   </p:cSld>
@@ -349,7 +349,7 @@
           <p:cNvPr id="2" name="标题 1">
             <a:extLst>
               <a:ext uri="{FF2B5EF4-FFF2-40B4-BE49-F238E27FC236}">
-                <a16:creationId xmlns:a16="http://schemas.microsoft.com/office/drawing/2014/main" id="{5FE02E0A-5F23-DA01-B6C0-18206566E911}"/>
+                <a16:creationId xmlns:a16="http://schemas.microsoft.com/office/drawing/2014/main" id="{EC3975A8-EDDA-DA8D-875D-0A8BFD96D863}"/>
               </a:ext>
             </a:extLst>
           </p:cNvPr>
@@ -377,7 +377,7 @@
           <p:cNvPr id="3" name="竖排文字占位符 2">
             <a:extLst>
               <a:ext uri="{FF2B5EF4-FFF2-40B4-BE49-F238E27FC236}">
-                <a16:creationId xmlns:a16="http://schemas.microsoft.com/office/drawing/2014/main" id="{1BA91A8D-5282-9AEF-2233-ABFF0C5EFFF3}"/>
+                <a16:creationId xmlns:a16="http://schemas.microsoft.com/office/drawing/2014/main" id="{696B05AD-BE57-E621-528E-F3642B0CC7C3}"/>
               </a:ext>
             </a:extLst>
           </p:cNvPr>
@@ -434,7 +434,7 @@
           <p:cNvPr id="4" name="日期占位符 3">
             <a:extLst>
               <a:ext uri="{FF2B5EF4-FFF2-40B4-BE49-F238E27FC236}">
-                <a16:creationId xmlns:a16="http://schemas.microsoft.com/office/drawing/2014/main" id="{AF79D81A-FFEA-F05B-B85F-8E41C58BD47D}"/>
+                <a16:creationId xmlns:a16="http://schemas.microsoft.com/office/drawing/2014/main" id="{0127AEA4-0B25-1F32-3C27-DC1F2DD4F3FD}"/>
               </a:ext>
             </a:extLst>
           </p:cNvPr>
@@ -450,7 +450,7 @@
           <a:bodyPr/>
           <a:lstStyle/>
           <a:p>
-            <a:fld id="{1BE9911D-7C79-469D-BA47-65BE85705E4A}" type="datetimeFigureOut">
+            <a:fld id="{A0B4923F-0105-493B-A73F-5AE4E5948EDA}" type="datetimeFigureOut">
               <a:rPr lang="zh-CN" altLang="en-US" smtClean="0"/>
               <a:t>2024/3/10</a:t>
             </a:fld>
@@ -463,7 +463,7 @@
           <p:cNvPr id="5" name="页脚占位符 4">
             <a:extLst>
               <a:ext uri="{FF2B5EF4-FFF2-40B4-BE49-F238E27FC236}">
-                <a16:creationId xmlns:a16="http://schemas.microsoft.com/office/drawing/2014/main" id="{0A6DA645-EEBC-AD35-B319-B8619F6566BD}"/>
+                <a16:creationId xmlns:a16="http://schemas.microsoft.com/office/drawing/2014/main" id="{DE62F8E5-BDA5-4069-3396-812960CD616E}"/>
               </a:ext>
             </a:extLst>
           </p:cNvPr>
@@ -488,7 +488,7 @@
           <p:cNvPr id="6" name="灯片编号占位符 5">
             <a:extLst>
               <a:ext uri="{FF2B5EF4-FFF2-40B4-BE49-F238E27FC236}">
-                <a16:creationId xmlns:a16="http://schemas.microsoft.com/office/drawing/2014/main" id="{16801964-DBBB-8FDB-5EFA-A45A7C96FAF9}"/>
+                <a16:creationId xmlns:a16="http://schemas.microsoft.com/office/drawing/2014/main" id="{DCDDF41F-E901-AEEC-CAF5-15680DB73CEA}"/>
               </a:ext>
             </a:extLst>
           </p:cNvPr>
@@ -504,7 +504,7 @@
           <a:bodyPr/>
           <a:lstStyle/>
           <a:p>
-            <a:fld id="{5DE495C7-14C0-40B1-9733-43DFC5CDF328}" type="slidenum">
+            <a:fld id="{ED17C313-A2AF-4380-861F-9CC1A08058F8}" type="slidenum">
               <a:rPr lang="zh-CN" altLang="en-US" smtClean="0"/>
               <a:t>‹#›</a:t>
             </a:fld>
@@ -515,7 +515,7 @@
     </p:spTree>
     <p:extLst>
       <p:ext uri="{BB962C8B-B14F-4D97-AF65-F5344CB8AC3E}">
-        <p14:creationId xmlns:p14="http://schemas.microsoft.com/office/powerpoint/2010/main" val="3433051751"/>
+        <p14:creationId xmlns:p14="http://schemas.microsoft.com/office/powerpoint/2010/main" val="3204460009"/>
       </p:ext>
     </p:extLst>
   </p:cSld>
@@ -547,7 +547,7 @@
           <p:cNvPr id="2" name="竖排标题 1">
             <a:extLst>
               <a:ext uri="{FF2B5EF4-FFF2-40B4-BE49-F238E27FC236}">
-                <a16:creationId xmlns:a16="http://schemas.microsoft.com/office/drawing/2014/main" id="{EDDAC965-4C16-D657-78AB-F41CFDE0FBF9}"/>
+                <a16:creationId xmlns:a16="http://schemas.microsoft.com/office/drawing/2014/main" id="{F5DA30F2-F8A3-7382-9105-F5A60BEA886B}"/>
               </a:ext>
             </a:extLst>
           </p:cNvPr>
@@ -580,7 +580,7 @@
           <p:cNvPr id="3" name="竖排文字占位符 2">
             <a:extLst>
               <a:ext uri="{FF2B5EF4-FFF2-40B4-BE49-F238E27FC236}">
-                <a16:creationId xmlns:a16="http://schemas.microsoft.com/office/drawing/2014/main" id="{0DCD5D05-25B0-E365-6D6A-3459F79F1F56}"/>
+                <a16:creationId xmlns:a16="http://schemas.microsoft.com/office/drawing/2014/main" id="{FBF2D0EA-AEE7-2EDC-159A-619DCC77670E}"/>
               </a:ext>
             </a:extLst>
           </p:cNvPr>
@@ -642,7 +642,7 @@
           <p:cNvPr id="4" name="日期占位符 3">
             <a:extLst>
               <a:ext uri="{FF2B5EF4-FFF2-40B4-BE49-F238E27FC236}">
-                <a16:creationId xmlns:a16="http://schemas.microsoft.com/office/drawing/2014/main" id="{743F3DEB-E68F-6EDF-F5FD-D4BA6BA380F8}"/>
+                <a16:creationId xmlns:a16="http://schemas.microsoft.com/office/drawing/2014/main" id="{9AE6ACFA-E789-FCA7-9F45-C9887F484643}"/>
               </a:ext>
             </a:extLst>
           </p:cNvPr>
@@ -658,7 +658,7 @@
           <a:bodyPr/>
           <a:lstStyle/>
           <a:p>
-            <a:fld id="{1BE9911D-7C79-469D-BA47-65BE85705E4A}" type="datetimeFigureOut">
+            <a:fld id="{A0B4923F-0105-493B-A73F-5AE4E5948EDA}" type="datetimeFigureOut">
               <a:rPr lang="zh-CN" altLang="en-US" smtClean="0"/>
               <a:t>2024/3/10</a:t>
             </a:fld>
@@ -671,7 +671,7 @@
           <p:cNvPr id="5" name="页脚占位符 4">
             <a:extLst>
               <a:ext uri="{FF2B5EF4-FFF2-40B4-BE49-F238E27FC236}">
-                <a16:creationId xmlns:a16="http://schemas.microsoft.com/office/drawing/2014/main" id="{40FF1E9C-F17C-AA4A-BAFD-80468C1579BD}"/>
+                <a16:creationId xmlns:a16="http://schemas.microsoft.com/office/drawing/2014/main" id="{11CE03D8-73C9-7708-3E3D-7BA009962272}"/>
               </a:ext>
             </a:extLst>
           </p:cNvPr>
@@ -696,7 +696,7 @@
           <p:cNvPr id="6" name="灯片编号占位符 5">
             <a:extLst>
               <a:ext uri="{FF2B5EF4-FFF2-40B4-BE49-F238E27FC236}">
-                <a16:creationId xmlns:a16="http://schemas.microsoft.com/office/drawing/2014/main" id="{13E929D0-4E6B-5466-8083-077D42A1C4ED}"/>
+                <a16:creationId xmlns:a16="http://schemas.microsoft.com/office/drawing/2014/main" id="{0BA7EFC0-1C99-4C77-6C19-CE4EB1FCA85F}"/>
               </a:ext>
             </a:extLst>
           </p:cNvPr>
@@ -712,7 +712,7 @@
           <a:bodyPr/>
           <a:lstStyle/>
           <a:p>
-            <a:fld id="{5DE495C7-14C0-40B1-9733-43DFC5CDF328}" type="slidenum">
+            <a:fld id="{ED17C313-A2AF-4380-861F-9CC1A08058F8}" type="slidenum">
               <a:rPr lang="zh-CN" altLang="en-US" smtClean="0"/>
               <a:t>‹#›</a:t>
             </a:fld>
@@ -723,7 +723,7 @@
     </p:spTree>
     <p:extLst>
       <p:ext uri="{BB962C8B-B14F-4D97-AF65-F5344CB8AC3E}">
-        <p14:creationId xmlns:p14="http://schemas.microsoft.com/office/powerpoint/2010/main" val="1686124180"/>
+        <p14:creationId xmlns:p14="http://schemas.microsoft.com/office/powerpoint/2010/main" val="1540977911"/>
       </p:ext>
     </p:extLst>
   </p:cSld>
@@ -755,7 +755,7 @@
           <p:cNvPr id="2" name="标题 1">
             <a:extLst>
               <a:ext uri="{FF2B5EF4-FFF2-40B4-BE49-F238E27FC236}">
-                <a16:creationId xmlns:a16="http://schemas.microsoft.com/office/drawing/2014/main" id="{056477D9-849E-5661-863F-05AD9CA461E5}"/>
+                <a16:creationId xmlns:a16="http://schemas.microsoft.com/office/drawing/2014/main" id="{3F5C532F-7BEE-E5FA-5256-9FBE15D227B5}"/>
               </a:ext>
             </a:extLst>
           </p:cNvPr>
@@ -783,7 +783,7 @@
           <p:cNvPr id="3" name="内容占位符 2">
             <a:extLst>
               <a:ext uri="{FF2B5EF4-FFF2-40B4-BE49-F238E27FC236}">
-                <a16:creationId xmlns:a16="http://schemas.microsoft.com/office/drawing/2014/main" id="{76C7B37B-8EDE-1E99-C7B2-D7D3110DE77E}"/>
+                <a16:creationId xmlns:a16="http://schemas.microsoft.com/office/drawing/2014/main" id="{5BA99629-96CE-875D-1A84-7D1ADF904185}"/>
               </a:ext>
             </a:extLst>
           </p:cNvPr>
@@ -840,7 +840,7 @@
           <p:cNvPr id="4" name="日期占位符 3">
             <a:extLst>
               <a:ext uri="{FF2B5EF4-FFF2-40B4-BE49-F238E27FC236}">
-                <a16:creationId xmlns:a16="http://schemas.microsoft.com/office/drawing/2014/main" id="{8B3F0B30-250C-7640-ED4F-4B6925E77867}"/>
+                <a16:creationId xmlns:a16="http://schemas.microsoft.com/office/drawing/2014/main" id="{83C71F37-F396-7901-2E4F-8978F979B148}"/>
               </a:ext>
             </a:extLst>
           </p:cNvPr>
@@ -856,7 +856,7 @@
           <a:bodyPr/>
           <a:lstStyle/>
           <a:p>
-            <a:fld id="{1BE9911D-7C79-469D-BA47-65BE85705E4A}" type="datetimeFigureOut">
+            <a:fld id="{A0B4923F-0105-493B-A73F-5AE4E5948EDA}" type="datetimeFigureOut">
               <a:rPr lang="zh-CN" altLang="en-US" smtClean="0"/>
               <a:t>2024/3/10</a:t>
             </a:fld>
@@ -869,7 +869,7 @@
           <p:cNvPr id="5" name="页脚占位符 4">
             <a:extLst>
               <a:ext uri="{FF2B5EF4-FFF2-40B4-BE49-F238E27FC236}">
-                <a16:creationId xmlns:a16="http://schemas.microsoft.com/office/drawing/2014/main" id="{9A1BBFC5-127E-6612-D493-D3EEC58EE1DD}"/>
+                <a16:creationId xmlns:a16="http://schemas.microsoft.com/office/drawing/2014/main" id="{4E956303-70BC-1A56-C823-EB8C84F9F238}"/>
               </a:ext>
             </a:extLst>
           </p:cNvPr>
@@ -894,7 +894,7 @@
           <p:cNvPr id="6" name="灯片编号占位符 5">
             <a:extLst>
               <a:ext uri="{FF2B5EF4-FFF2-40B4-BE49-F238E27FC236}">
-                <a16:creationId xmlns:a16="http://schemas.microsoft.com/office/drawing/2014/main" id="{306FEC08-1EB2-D448-3A37-8CE93160239C}"/>
+                <a16:creationId xmlns:a16="http://schemas.microsoft.com/office/drawing/2014/main" id="{468E542E-B3AC-473F-CE3D-450087A15DEC}"/>
               </a:ext>
             </a:extLst>
           </p:cNvPr>
@@ -910,7 +910,7 @@
           <a:bodyPr/>
           <a:lstStyle/>
           <a:p>
-            <a:fld id="{5DE495C7-14C0-40B1-9733-43DFC5CDF328}" type="slidenum">
+            <a:fld id="{ED17C313-A2AF-4380-861F-9CC1A08058F8}" type="slidenum">
               <a:rPr lang="zh-CN" altLang="en-US" smtClean="0"/>
               <a:t>‹#›</a:t>
             </a:fld>
@@ -921,7 +921,7 @@
     </p:spTree>
     <p:extLst>
       <p:ext uri="{BB962C8B-B14F-4D97-AF65-F5344CB8AC3E}">
-        <p14:creationId xmlns:p14="http://schemas.microsoft.com/office/powerpoint/2010/main" val="2276893886"/>
+        <p14:creationId xmlns:p14="http://schemas.microsoft.com/office/powerpoint/2010/main" val="540693771"/>
       </p:ext>
     </p:extLst>
   </p:cSld>
@@ -953,7 +953,7 @@
           <p:cNvPr id="2" name="标题 1">
             <a:extLst>
               <a:ext uri="{FF2B5EF4-FFF2-40B4-BE49-F238E27FC236}">
-                <a16:creationId xmlns:a16="http://schemas.microsoft.com/office/drawing/2014/main" id="{F20076DC-39F7-3687-6A71-DC92721B5175}"/>
+                <a16:creationId xmlns:a16="http://schemas.microsoft.com/office/drawing/2014/main" id="{38A3149F-7B2A-EF87-F791-BCB40D628585}"/>
               </a:ext>
             </a:extLst>
           </p:cNvPr>
@@ -990,7 +990,7 @@
           <p:cNvPr id="3" name="文本占位符 2">
             <a:extLst>
               <a:ext uri="{FF2B5EF4-FFF2-40B4-BE49-F238E27FC236}">
-                <a16:creationId xmlns:a16="http://schemas.microsoft.com/office/drawing/2014/main" id="{D4E20F2E-766B-610D-CB90-34E7C3D2B062}"/>
+                <a16:creationId xmlns:a16="http://schemas.microsoft.com/office/drawing/2014/main" id="{4E90FC13-2310-364F-925A-D4FBA0747007}"/>
               </a:ext>
             </a:extLst>
           </p:cNvPr>
@@ -1115,7 +1115,7 @@
           <p:cNvPr id="4" name="日期占位符 3">
             <a:extLst>
               <a:ext uri="{FF2B5EF4-FFF2-40B4-BE49-F238E27FC236}">
-                <a16:creationId xmlns:a16="http://schemas.microsoft.com/office/drawing/2014/main" id="{D49F891E-347E-6B8B-B444-187A38BE2524}"/>
+                <a16:creationId xmlns:a16="http://schemas.microsoft.com/office/drawing/2014/main" id="{923480E0-932A-2EBA-2854-230F6D2CAD6E}"/>
               </a:ext>
             </a:extLst>
           </p:cNvPr>
@@ -1131,7 +1131,7 @@
           <a:bodyPr/>
           <a:lstStyle/>
           <a:p>
-            <a:fld id="{1BE9911D-7C79-469D-BA47-65BE85705E4A}" type="datetimeFigureOut">
+            <a:fld id="{A0B4923F-0105-493B-A73F-5AE4E5948EDA}" type="datetimeFigureOut">
               <a:rPr lang="zh-CN" altLang="en-US" smtClean="0"/>
               <a:t>2024/3/10</a:t>
             </a:fld>
@@ -1144,7 +1144,7 @@
           <p:cNvPr id="5" name="页脚占位符 4">
             <a:extLst>
               <a:ext uri="{FF2B5EF4-FFF2-40B4-BE49-F238E27FC236}">
-                <a16:creationId xmlns:a16="http://schemas.microsoft.com/office/drawing/2014/main" id="{95C556B8-6840-E1DF-12D3-11BC86B327AE}"/>
+                <a16:creationId xmlns:a16="http://schemas.microsoft.com/office/drawing/2014/main" id="{7D5DFECB-FF85-47D5-2B4C-6C2F46498A89}"/>
               </a:ext>
             </a:extLst>
           </p:cNvPr>
@@ -1169,7 +1169,7 @@
           <p:cNvPr id="6" name="灯片编号占位符 5">
             <a:extLst>
               <a:ext uri="{FF2B5EF4-FFF2-40B4-BE49-F238E27FC236}">
-                <a16:creationId xmlns:a16="http://schemas.microsoft.com/office/drawing/2014/main" id="{86A674A4-3EB5-D4F7-E72A-95208E64F6C6}"/>
+                <a16:creationId xmlns:a16="http://schemas.microsoft.com/office/drawing/2014/main" id="{C51DF5CF-B245-D1A4-073C-1A2FD61070B6}"/>
               </a:ext>
             </a:extLst>
           </p:cNvPr>
@@ -1185,7 +1185,7 @@
           <a:bodyPr/>
           <a:lstStyle/>
           <a:p>
-            <a:fld id="{5DE495C7-14C0-40B1-9733-43DFC5CDF328}" type="slidenum">
+            <a:fld id="{ED17C313-A2AF-4380-861F-9CC1A08058F8}" type="slidenum">
               <a:rPr lang="zh-CN" altLang="en-US" smtClean="0"/>
               <a:t>‹#›</a:t>
             </a:fld>
@@ -1196,7 +1196,7 @@
     </p:spTree>
     <p:extLst>
       <p:ext uri="{BB962C8B-B14F-4D97-AF65-F5344CB8AC3E}">
-        <p14:creationId xmlns:p14="http://schemas.microsoft.com/office/powerpoint/2010/main" val="1858214661"/>
+        <p14:creationId xmlns:p14="http://schemas.microsoft.com/office/powerpoint/2010/main" val="1896019934"/>
       </p:ext>
     </p:extLst>
   </p:cSld>
@@ -1228,7 +1228,7 @@
           <p:cNvPr id="2" name="标题 1">
             <a:extLst>
               <a:ext uri="{FF2B5EF4-FFF2-40B4-BE49-F238E27FC236}">
-                <a16:creationId xmlns:a16="http://schemas.microsoft.com/office/drawing/2014/main" id="{4332EBFE-F7EA-792E-282F-239D4B24291C}"/>
+                <a16:creationId xmlns:a16="http://schemas.microsoft.com/office/drawing/2014/main" id="{5D50CF02-28FB-500D-42A0-D35EEB402461}"/>
               </a:ext>
             </a:extLst>
           </p:cNvPr>
@@ -1256,7 +1256,7 @@
           <p:cNvPr id="3" name="内容占位符 2">
             <a:extLst>
               <a:ext uri="{FF2B5EF4-FFF2-40B4-BE49-F238E27FC236}">
-                <a16:creationId xmlns:a16="http://schemas.microsoft.com/office/drawing/2014/main" id="{C1B28006-A629-F965-3492-D28728E836EE}"/>
+                <a16:creationId xmlns:a16="http://schemas.microsoft.com/office/drawing/2014/main" id="{E4B260DE-9B3A-CEEA-C4B7-F6500540F4DD}"/>
               </a:ext>
             </a:extLst>
           </p:cNvPr>
@@ -1318,7 +1318,7 @@
           <p:cNvPr id="4" name="内容占位符 3">
             <a:extLst>
               <a:ext uri="{FF2B5EF4-FFF2-40B4-BE49-F238E27FC236}">
-                <a16:creationId xmlns:a16="http://schemas.microsoft.com/office/drawing/2014/main" id="{494C2B56-ED9C-7784-4EAC-F6BDDE1523F9}"/>
+                <a16:creationId xmlns:a16="http://schemas.microsoft.com/office/drawing/2014/main" id="{0E584649-056A-09AD-19C5-A07F9C8B760C}"/>
               </a:ext>
             </a:extLst>
           </p:cNvPr>
@@ -1380,7 +1380,7 @@
           <p:cNvPr id="5" name="日期占位符 4">
             <a:extLst>
               <a:ext uri="{FF2B5EF4-FFF2-40B4-BE49-F238E27FC236}">
-                <a16:creationId xmlns:a16="http://schemas.microsoft.com/office/drawing/2014/main" id="{87F5448D-1281-5BDE-24F6-04FE849E8A3B}"/>
+                <a16:creationId xmlns:a16="http://schemas.microsoft.com/office/drawing/2014/main" id="{E8101598-47DB-9D86-5D73-B391970BDA1D}"/>
               </a:ext>
             </a:extLst>
           </p:cNvPr>
@@ -1396,7 +1396,7 @@
           <a:bodyPr/>
           <a:lstStyle/>
           <a:p>
-            <a:fld id="{1BE9911D-7C79-469D-BA47-65BE85705E4A}" type="datetimeFigureOut">
+            <a:fld id="{A0B4923F-0105-493B-A73F-5AE4E5948EDA}" type="datetimeFigureOut">
               <a:rPr lang="zh-CN" altLang="en-US" smtClean="0"/>
               <a:t>2024/3/10</a:t>
             </a:fld>
@@ -1409,7 +1409,7 @@
           <p:cNvPr id="6" name="页脚占位符 5">
             <a:extLst>
               <a:ext uri="{FF2B5EF4-FFF2-40B4-BE49-F238E27FC236}">
-                <a16:creationId xmlns:a16="http://schemas.microsoft.com/office/drawing/2014/main" id="{B83B2F22-3165-ADFA-38DC-53E0F3B58D43}"/>
+                <a16:creationId xmlns:a16="http://schemas.microsoft.com/office/drawing/2014/main" id="{2AA2E1D9-83F4-5E6B-8A76-712042B56E96}"/>
               </a:ext>
             </a:extLst>
           </p:cNvPr>
@@ -1434,7 +1434,7 @@
           <p:cNvPr id="7" name="灯片编号占位符 6">
             <a:extLst>
               <a:ext uri="{FF2B5EF4-FFF2-40B4-BE49-F238E27FC236}">
-                <a16:creationId xmlns:a16="http://schemas.microsoft.com/office/drawing/2014/main" id="{2BBA9C76-E1E6-B604-B463-04313A144341}"/>
+                <a16:creationId xmlns:a16="http://schemas.microsoft.com/office/drawing/2014/main" id="{55247F07-0144-3A61-7E8E-7E9AC898BCC6}"/>
               </a:ext>
             </a:extLst>
           </p:cNvPr>
@@ -1450,7 +1450,7 @@
           <a:bodyPr/>
           <a:lstStyle/>
           <a:p>
-            <a:fld id="{5DE495C7-14C0-40B1-9733-43DFC5CDF328}" type="slidenum">
+            <a:fld id="{ED17C313-A2AF-4380-861F-9CC1A08058F8}" type="slidenum">
               <a:rPr lang="zh-CN" altLang="en-US" smtClean="0"/>
               <a:t>‹#›</a:t>
             </a:fld>
@@ -1461,7 +1461,7 @@
     </p:spTree>
     <p:extLst>
       <p:ext uri="{BB962C8B-B14F-4D97-AF65-F5344CB8AC3E}">
-        <p14:creationId xmlns:p14="http://schemas.microsoft.com/office/powerpoint/2010/main" val="1259694339"/>
+        <p14:creationId xmlns:p14="http://schemas.microsoft.com/office/powerpoint/2010/main" val="658660082"/>
       </p:ext>
     </p:extLst>
   </p:cSld>
@@ -1493,7 +1493,7 @@
           <p:cNvPr id="2" name="标题 1">
             <a:extLst>
               <a:ext uri="{FF2B5EF4-FFF2-40B4-BE49-F238E27FC236}">
-                <a16:creationId xmlns:a16="http://schemas.microsoft.com/office/drawing/2014/main" id="{8F549405-ED84-104F-017F-ABD3ACFF8F58}"/>
+                <a16:creationId xmlns:a16="http://schemas.microsoft.com/office/drawing/2014/main" id="{5C881D0A-DE3E-C5A7-F321-31DFA02C531B}"/>
               </a:ext>
             </a:extLst>
           </p:cNvPr>
@@ -1526,7 +1526,7 @@
           <p:cNvPr id="3" name="文本占位符 2">
             <a:extLst>
               <a:ext uri="{FF2B5EF4-FFF2-40B4-BE49-F238E27FC236}">
-                <a16:creationId xmlns:a16="http://schemas.microsoft.com/office/drawing/2014/main" id="{3F98FB81-3D6C-27EB-CD18-907C1439765A}"/>
+                <a16:creationId xmlns:a16="http://schemas.microsoft.com/office/drawing/2014/main" id="{C4FC80A5-1BDC-153D-BD7C-C3E2AEE78CBB}"/>
               </a:ext>
             </a:extLst>
           </p:cNvPr>
@@ -1597,7 +1597,7 @@
           <p:cNvPr id="4" name="内容占位符 3">
             <a:extLst>
               <a:ext uri="{FF2B5EF4-FFF2-40B4-BE49-F238E27FC236}">
-                <a16:creationId xmlns:a16="http://schemas.microsoft.com/office/drawing/2014/main" id="{1D56843F-7806-24B0-8E01-E25E572711AD}"/>
+                <a16:creationId xmlns:a16="http://schemas.microsoft.com/office/drawing/2014/main" id="{CF8F517E-5E22-A49C-6C57-1D62705E8CB8}"/>
               </a:ext>
             </a:extLst>
           </p:cNvPr>
@@ -1659,7 +1659,7 @@
           <p:cNvPr id="5" name="文本占位符 4">
             <a:extLst>
               <a:ext uri="{FF2B5EF4-FFF2-40B4-BE49-F238E27FC236}">
-                <a16:creationId xmlns:a16="http://schemas.microsoft.com/office/drawing/2014/main" id="{E0CFF69D-9CA9-5DB9-71C8-2450C63DA52E}"/>
+                <a16:creationId xmlns:a16="http://schemas.microsoft.com/office/drawing/2014/main" id="{3E60EA42-6662-14DE-79E4-B27419930F8E}"/>
               </a:ext>
             </a:extLst>
           </p:cNvPr>
@@ -1730,7 +1730,7 @@
           <p:cNvPr id="6" name="内容占位符 5">
             <a:extLst>
               <a:ext uri="{FF2B5EF4-FFF2-40B4-BE49-F238E27FC236}">
-                <a16:creationId xmlns:a16="http://schemas.microsoft.com/office/drawing/2014/main" id="{7CF657CD-B0AE-1259-9B95-0CD46E8CCA3C}"/>
+                <a16:creationId xmlns:a16="http://schemas.microsoft.com/office/drawing/2014/main" id="{F2D89C58-34A5-8B77-43D8-5864F128EEA8}"/>
               </a:ext>
             </a:extLst>
           </p:cNvPr>
@@ -1792,7 +1792,7 @@
           <p:cNvPr id="7" name="日期占位符 6">
             <a:extLst>
               <a:ext uri="{FF2B5EF4-FFF2-40B4-BE49-F238E27FC236}">
-                <a16:creationId xmlns:a16="http://schemas.microsoft.com/office/drawing/2014/main" id="{DD0A1E6F-D82A-7DF3-16DF-59C073457293}"/>
+                <a16:creationId xmlns:a16="http://schemas.microsoft.com/office/drawing/2014/main" id="{E38DB414-A439-5CE6-AEB0-D4EBFC915965}"/>
               </a:ext>
             </a:extLst>
           </p:cNvPr>
@@ -1808,7 +1808,7 @@
           <a:bodyPr/>
           <a:lstStyle/>
           <a:p>
-            <a:fld id="{1BE9911D-7C79-469D-BA47-65BE85705E4A}" type="datetimeFigureOut">
+            <a:fld id="{A0B4923F-0105-493B-A73F-5AE4E5948EDA}" type="datetimeFigureOut">
               <a:rPr lang="zh-CN" altLang="en-US" smtClean="0"/>
               <a:t>2024/3/10</a:t>
             </a:fld>
@@ -1821,7 +1821,7 @@
           <p:cNvPr id="8" name="页脚占位符 7">
             <a:extLst>
               <a:ext uri="{FF2B5EF4-FFF2-40B4-BE49-F238E27FC236}">
-                <a16:creationId xmlns:a16="http://schemas.microsoft.com/office/drawing/2014/main" id="{55CF601A-D2D9-9820-2ED8-D25C6BB0AA88}"/>
+                <a16:creationId xmlns:a16="http://schemas.microsoft.com/office/drawing/2014/main" id="{B0421444-E1A5-F9D5-BD39-6C5E5276C363}"/>
               </a:ext>
             </a:extLst>
           </p:cNvPr>
@@ -1846,7 +1846,7 @@
           <p:cNvPr id="9" name="灯片编号占位符 8">
             <a:extLst>
               <a:ext uri="{FF2B5EF4-FFF2-40B4-BE49-F238E27FC236}">
-                <a16:creationId xmlns:a16="http://schemas.microsoft.com/office/drawing/2014/main" id="{D5FBED70-7230-90FF-001F-4F0707F6430C}"/>
+                <a16:creationId xmlns:a16="http://schemas.microsoft.com/office/drawing/2014/main" id="{37C4C302-CD67-A031-A056-A3D4D03CB7B2}"/>
               </a:ext>
             </a:extLst>
           </p:cNvPr>
@@ -1862,7 +1862,7 @@
           <a:bodyPr/>
           <a:lstStyle/>
           <a:p>
-            <a:fld id="{5DE495C7-14C0-40B1-9733-43DFC5CDF328}" type="slidenum">
+            <a:fld id="{ED17C313-A2AF-4380-861F-9CC1A08058F8}" type="slidenum">
               <a:rPr lang="zh-CN" altLang="en-US" smtClean="0"/>
               <a:t>‹#›</a:t>
             </a:fld>
@@ -1873,7 +1873,7 @@
     </p:spTree>
     <p:extLst>
       <p:ext uri="{BB962C8B-B14F-4D97-AF65-F5344CB8AC3E}">
-        <p14:creationId xmlns:p14="http://schemas.microsoft.com/office/powerpoint/2010/main" val="3693634187"/>
+        <p14:creationId xmlns:p14="http://schemas.microsoft.com/office/powerpoint/2010/main" val="185807574"/>
       </p:ext>
     </p:extLst>
   </p:cSld>
@@ -1905,7 +1905,7 @@
           <p:cNvPr id="2" name="标题 1">
             <a:extLst>
               <a:ext uri="{FF2B5EF4-FFF2-40B4-BE49-F238E27FC236}">
-                <a16:creationId xmlns:a16="http://schemas.microsoft.com/office/drawing/2014/main" id="{1CE50B6B-45B8-B240-DCA7-63D9A2B320BA}"/>
+                <a16:creationId xmlns:a16="http://schemas.microsoft.com/office/drawing/2014/main" id="{A2DE14EB-C8C9-9F0E-E6AA-87269A99DA07}"/>
               </a:ext>
             </a:extLst>
           </p:cNvPr>
@@ -1933,7 +1933,7 @@
           <p:cNvPr id="3" name="日期占位符 2">
             <a:extLst>
               <a:ext uri="{FF2B5EF4-FFF2-40B4-BE49-F238E27FC236}">
-                <a16:creationId xmlns:a16="http://schemas.microsoft.com/office/drawing/2014/main" id="{D581824B-DFD8-EEBF-D2C7-34F3513544A5}"/>
+                <a16:creationId xmlns:a16="http://schemas.microsoft.com/office/drawing/2014/main" id="{AAEE1EFE-C99E-6A92-73AC-8CE02F3B092F}"/>
               </a:ext>
             </a:extLst>
           </p:cNvPr>
@@ -1949,7 +1949,7 @@
           <a:bodyPr/>
           <a:lstStyle/>
           <a:p>
-            <a:fld id="{1BE9911D-7C79-469D-BA47-65BE85705E4A}" type="datetimeFigureOut">
+            <a:fld id="{A0B4923F-0105-493B-A73F-5AE4E5948EDA}" type="datetimeFigureOut">
               <a:rPr lang="zh-CN" altLang="en-US" smtClean="0"/>
               <a:t>2024/3/10</a:t>
             </a:fld>
@@ -1962,7 +1962,7 @@
           <p:cNvPr id="4" name="页脚占位符 3">
             <a:extLst>
               <a:ext uri="{FF2B5EF4-FFF2-40B4-BE49-F238E27FC236}">
-                <a16:creationId xmlns:a16="http://schemas.microsoft.com/office/drawing/2014/main" id="{9A352433-396C-406B-1F9B-F21DCBF1D253}"/>
+                <a16:creationId xmlns:a16="http://schemas.microsoft.com/office/drawing/2014/main" id="{321FBF57-FB9D-A5F0-756C-1902F2937B6D}"/>
               </a:ext>
             </a:extLst>
           </p:cNvPr>
@@ -1987,7 +1987,7 @@
           <p:cNvPr id="5" name="灯片编号占位符 4">
             <a:extLst>
               <a:ext uri="{FF2B5EF4-FFF2-40B4-BE49-F238E27FC236}">
-                <a16:creationId xmlns:a16="http://schemas.microsoft.com/office/drawing/2014/main" id="{B854EF2A-D73E-1D0F-47D7-C5302CAD1DCD}"/>
+                <a16:creationId xmlns:a16="http://schemas.microsoft.com/office/drawing/2014/main" id="{911999E8-36AC-C3C9-7176-A76C0E4E723F}"/>
               </a:ext>
             </a:extLst>
           </p:cNvPr>
@@ -2003,7 +2003,7 @@
           <a:bodyPr/>
           <a:lstStyle/>
           <a:p>
-            <a:fld id="{5DE495C7-14C0-40B1-9733-43DFC5CDF328}" type="slidenum">
+            <a:fld id="{ED17C313-A2AF-4380-861F-9CC1A08058F8}" type="slidenum">
               <a:rPr lang="zh-CN" altLang="en-US" smtClean="0"/>
               <a:t>‹#›</a:t>
             </a:fld>
@@ -2014,7 +2014,7 @@
     </p:spTree>
     <p:extLst>
       <p:ext uri="{BB962C8B-B14F-4D97-AF65-F5344CB8AC3E}">
-        <p14:creationId xmlns:p14="http://schemas.microsoft.com/office/powerpoint/2010/main" val="234258268"/>
+        <p14:creationId xmlns:p14="http://schemas.microsoft.com/office/powerpoint/2010/main" val="2367731070"/>
       </p:ext>
     </p:extLst>
   </p:cSld>
@@ -2046,7 +2046,7 @@
           <p:cNvPr id="2" name="日期占位符 1">
             <a:extLst>
               <a:ext uri="{FF2B5EF4-FFF2-40B4-BE49-F238E27FC236}">
-                <a16:creationId xmlns:a16="http://schemas.microsoft.com/office/drawing/2014/main" id="{A7323DDE-9D27-35EE-0986-C11137A37BE2}"/>
+                <a16:creationId xmlns:a16="http://schemas.microsoft.com/office/drawing/2014/main" id="{F8AC8AB2-D0D2-628C-C68A-54418F753F17}"/>
               </a:ext>
             </a:extLst>
           </p:cNvPr>
@@ -2062,7 +2062,7 @@
           <a:bodyPr/>
           <a:lstStyle/>
           <a:p>
-            <a:fld id="{1BE9911D-7C79-469D-BA47-65BE85705E4A}" type="datetimeFigureOut">
+            <a:fld id="{A0B4923F-0105-493B-A73F-5AE4E5948EDA}" type="datetimeFigureOut">
               <a:rPr lang="zh-CN" altLang="en-US" smtClean="0"/>
               <a:t>2024/3/10</a:t>
             </a:fld>
@@ -2075,7 +2075,7 @@
           <p:cNvPr id="3" name="页脚占位符 2">
             <a:extLst>
               <a:ext uri="{FF2B5EF4-FFF2-40B4-BE49-F238E27FC236}">
-                <a16:creationId xmlns:a16="http://schemas.microsoft.com/office/drawing/2014/main" id="{412FD9EB-C6BF-A5DC-42B3-8AD82B25CD56}"/>
+                <a16:creationId xmlns:a16="http://schemas.microsoft.com/office/drawing/2014/main" id="{1B8AF8EF-5503-8DE7-E077-93B4A8D1B9F5}"/>
               </a:ext>
             </a:extLst>
           </p:cNvPr>
@@ -2100,7 +2100,7 @@
           <p:cNvPr id="4" name="灯片编号占位符 3">
             <a:extLst>
               <a:ext uri="{FF2B5EF4-FFF2-40B4-BE49-F238E27FC236}">
-                <a16:creationId xmlns:a16="http://schemas.microsoft.com/office/drawing/2014/main" id="{AF4BD015-4660-F284-F9D6-1A4C58DC3159}"/>
+                <a16:creationId xmlns:a16="http://schemas.microsoft.com/office/drawing/2014/main" id="{C6E41226-48B5-3886-6433-A080C9941DFF}"/>
               </a:ext>
             </a:extLst>
           </p:cNvPr>
@@ -2116,7 +2116,7 @@
           <a:bodyPr/>
           <a:lstStyle/>
           <a:p>
-            <a:fld id="{5DE495C7-14C0-40B1-9733-43DFC5CDF328}" type="slidenum">
+            <a:fld id="{ED17C313-A2AF-4380-861F-9CC1A08058F8}" type="slidenum">
               <a:rPr lang="zh-CN" altLang="en-US" smtClean="0"/>
               <a:t>‹#›</a:t>
             </a:fld>
@@ -2127,7 +2127,7 @@
     </p:spTree>
     <p:extLst>
       <p:ext uri="{BB962C8B-B14F-4D97-AF65-F5344CB8AC3E}">
-        <p14:creationId xmlns:p14="http://schemas.microsoft.com/office/powerpoint/2010/main" val="1489072632"/>
+        <p14:creationId xmlns:p14="http://schemas.microsoft.com/office/powerpoint/2010/main" val="1332083230"/>
       </p:ext>
     </p:extLst>
   </p:cSld>
@@ -2159,7 +2159,7 @@
           <p:cNvPr id="2" name="标题 1">
             <a:extLst>
               <a:ext uri="{FF2B5EF4-FFF2-40B4-BE49-F238E27FC236}">
-                <a16:creationId xmlns:a16="http://schemas.microsoft.com/office/drawing/2014/main" id="{1C37BE29-BA25-BD5B-DF59-2065E0DDC7AE}"/>
+                <a16:creationId xmlns:a16="http://schemas.microsoft.com/office/drawing/2014/main" id="{4EFEF756-3D49-8E03-57F2-F5C4D29309BC}"/>
               </a:ext>
             </a:extLst>
           </p:cNvPr>
@@ -2196,7 +2196,7 @@
           <p:cNvPr id="3" name="内容占位符 2">
             <a:extLst>
               <a:ext uri="{FF2B5EF4-FFF2-40B4-BE49-F238E27FC236}">
-                <a16:creationId xmlns:a16="http://schemas.microsoft.com/office/drawing/2014/main" id="{182D7E87-DE6F-0450-122D-592CE294F313}"/>
+                <a16:creationId xmlns:a16="http://schemas.microsoft.com/office/drawing/2014/main" id="{0DC315AF-056C-A7B1-06F3-24C57545B217}"/>
               </a:ext>
             </a:extLst>
           </p:cNvPr>
@@ -2286,7 +2286,7 @@
           <p:cNvPr id="4" name="文本占位符 3">
             <a:extLst>
               <a:ext uri="{FF2B5EF4-FFF2-40B4-BE49-F238E27FC236}">
-                <a16:creationId xmlns:a16="http://schemas.microsoft.com/office/drawing/2014/main" id="{995EFC42-EF53-3BC2-F9D8-8B2C2D491A1D}"/>
+                <a16:creationId xmlns:a16="http://schemas.microsoft.com/office/drawing/2014/main" id="{D2FA2FC6-A436-1AE3-F504-2077CF0DBFD1}"/>
               </a:ext>
             </a:extLst>
           </p:cNvPr>
@@ -2357,7 +2357,7 @@
           <p:cNvPr id="5" name="日期占位符 4">
             <a:extLst>
               <a:ext uri="{FF2B5EF4-FFF2-40B4-BE49-F238E27FC236}">
-                <a16:creationId xmlns:a16="http://schemas.microsoft.com/office/drawing/2014/main" id="{21696DD9-00D7-34D8-A1F2-0B8C61CED172}"/>
+                <a16:creationId xmlns:a16="http://schemas.microsoft.com/office/drawing/2014/main" id="{A57CA23F-2787-6BF6-DE4F-D6058F13AE60}"/>
               </a:ext>
             </a:extLst>
           </p:cNvPr>
@@ -2373,7 +2373,7 @@
           <a:bodyPr/>
           <a:lstStyle/>
           <a:p>
-            <a:fld id="{1BE9911D-7C79-469D-BA47-65BE85705E4A}" type="datetimeFigureOut">
+            <a:fld id="{A0B4923F-0105-493B-A73F-5AE4E5948EDA}" type="datetimeFigureOut">
               <a:rPr lang="zh-CN" altLang="en-US" smtClean="0"/>
               <a:t>2024/3/10</a:t>
             </a:fld>
@@ -2386,7 +2386,7 @@
           <p:cNvPr id="6" name="页脚占位符 5">
             <a:extLst>
               <a:ext uri="{FF2B5EF4-FFF2-40B4-BE49-F238E27FC236}">
-                <a16:creationId xmlns:a16="http://schemas.microsoft.com/office/drawing/2014/main" id="{E4EF7D4E-8A4E-C5D1-8752-DC796C843976}"/>
+                <a16:creationId xmlns:a16="http://schemas.microsoft.com/office/drawing/2014/main" id="{DA3A9E79-28B0-F193-91A6-5201BA8737C4}"/>
               </a:ext>
             </a:extLst>
           </p:cNvPr>
@@ -2411,7 +2411,7 @@
           <p:cNvPr id="7" name="灯片编号占位符 6">
             <a:extLst>
               <a:ext uri="{FF2B5EF4-FFF2-40B4-BE49-F238E27FC236}">
-                <a16:creationId xmlns:a16="http://schemas.microsoft.com/office/drawing/2014/main" id="{B459448E-EBD5-9648-8162-4AFCAD9D0543}"/>
+                <a16:creationId xmlns:a16="http://schemas.microsoft.com/office/drawing/2014/main" id="{0528DE6D-340E-42EE-8930-5C3D707EC242}"/>
               </a:ext>
             </a:extLst>
           </p:cNvPr>
@@ -2427,7 +2427,7 @@
           <a:bodyPr/>
           <a:lstStyle/>
           <a:p>
-            <a:fld id="{5DE495C7-14C0-40B1-9733-43DFC5CDF328}" type="slidenum">
+            <a:fld id="{ED17C313-A2AF-4380-861F-9CC1A08058F8}" type="slidenum">
               <a:rPr lang="zh-CN" altLang="en-US" smtClean="0"/>
               <a:t>‹#›</a:t>
             </a:fld>
@@ -2438,7 +2438,7 @@
     </p:spTree>
     <p:extLst>
       <p:ext uri="{BB962C8B-B14F-4D97-AF65-F5344CB8AC3E}">
-        <p14:creationId xmlns:p14="http://schemas.microsoft.com/office/powerpoint/2010/main" val="460566052"/>
+        <p14:creationId xmlns:p14="http://schemas.microsoft.com/office/powerpoint/2010/main" val="983120698"/>
       </p:ext>
     </p:extLst>
   </p:cSld>
@@ -2470,7 +2470,7 @@
           <p:cNvPr id="2" name="标题 1">
             <a:extLst>
               <a:ext uri="{FF2B5EF4-FFF2-40B4-BE49-F238E27FC236}">
-                <a16:creationId xmlns:a16="http://schemas.microsoft.com/office/drawing/2014/main" id="{4FB149B5-6E04-0A5F-D515-2E4EAADCBD21}"/>
+                <a16:creationId xmlns:a16="http://schemas.microsoft.com/office/drawing/2014/main" id="{D4282A48-F4BA-F49E-7943-8E8BCDBBD453}"/>
               </a:ext>
             </a:extLst>
           </p:cNvPr>
@@ -2507,7 +2507,7 @@
           <p:cNvPr id="3" name="图片占位符 2">
             <a:extLst>
               <a:ext uri="{FF2B5EF4-FFF2-40B4-BE49-F238E27FC236}">
-                <a16:creationId xmlns:a16="http://schemas.microsoft.com/office/drawing/2014/main" id="{C797538D-B6E7-389C-A9BD-9511C5651059}"/>
+                <a16:creationId xmlns:a16="http://schemas.microsoft.com/office/drawing/2014/main" id="{899DEE13-CBEF-DB81-1D4D-F9BDA3F26513}"/>
               </a:ext>
             </a:extLst>
           </p:cNvPr>
@@ -2574,7 +2574,7 @@
           <p:cNvPr id="4" name="文本占位符 3">
             <a:extLst>
               <a:ext uri="{FF2B5EF4-FFF2-40B4-BE49-F238E27FC236}">
-                <a16:creationId xmlns:a16="http://schemas.microsoft.com/office/drawing/2014/main" id="{755E78D0-F969-9FB2-8F4B-C49F92BAE99C}"/>
+                <a16:creationId xmlns:a16="http://schemas.microsoft.com/office/drawing/2014/main" id="{B95AEAEB-559A-6CA7-F072-2DDA8DE54C4A}"/>
               </a:ext>
             </a:extLst>
           </p:cNvPr>
@@ -2645,7 +2645,7 @@
           <p:cNvPr id="5" name="日期占位符 4">
             <a:extLst>
               <a:ext uri="{FF2B5EF4-FFF2-40B4-BE49-F238E27FC236}">
-                <a16:creationId xmlns:a16="http://schemas.microsoft.com/office/drawing/2014/main" id="{C6A64D8A-5F60-3683-DE4D-1B3F4AC7CDC5}"/>
+                <a16:creationId xmlns:a16="http://schemas.microsoft.com/office/drawing/2014/main" id="{32704B2B-9E4C-49E7-2144-11600F9F9FEF}"/>
               </a:ext>
             </a:extLst>
           </p:cNvPr>
@@ -2661,7 +2661,7 @@
           <a:bodyPr/>
           <a:lstStyle/>
           <a:p>
-            <a:fld id="{1BE9911D-7C79-469D-BA47-65BE85705E4A}" type="datetimeFigureOut">
+            <a:fld id="{A0B4923F-0105-493B-A73F-5AE4E5948EDA}" type="datetimeFigureOut">
               <a:rPr lang="zh-CN" altLang="en-US" smtClean="0"/>
               <a:t>2024/3/10</a:t>
             </a:fld>
@@ -2674,7 +2674,7 @@
           <p:cNvPr id="6" name="页脚占位符 5">
             <a:extLst>
               <a:ext uri="{FF2B5EF4-FFF2-40B4-BE49-F238E27FC236}">
-                <a16:creationId xmlns:a16="http://schemas.microsoft.com/office/drawing/2014/main" id="{FB864F9E-94F9-96BE-6E4C-1BED2D616A6D}"/>
+                <a16:creationId xmlns:a16="http://schemas.microsoft.com/office/drawing/2014/main" id="{98620214-F643-7CA4-562B-165DF6D7D201}"/>
               </a:ext>
             </a:extLst>
           </p:cNvPr>
@@ -2699,7 +2699,7 @@
           <p:cNvPr id="7" name="灯片编号占位符 6">
             <a:extLst>
               <a:ext uri="{FF2B5EF4-FFF2-40B4-BE49-F238E27FC236}">
-                <a16:creationId xmlns:a16="http://schemas.microsoft.com/office/drawing/2014/main" id="{46A7EF82-6C6B-227A-5972-0501249B8EE0}"/>
+                <a16:creationId xmlns:a16="http://schemas.microsoft.com/office/drawing/2014/main" id="{3F5ED4B2-DC68-AE9E-A6A8-B747F4E12331}"/>
               </a:ext>
             </a:extLst>
           </p:cNvPr>
@@ -2715,7 +2715,7 @@
           <a:bodyPr/>
           <a:lstStyle/>
           <a:p>
-            <a:fld id="{5DE495C7-14C0-40B1-9733-43DFC5CDF328}" type="slidenum">
+            <a:fld id="{ED17C313-A2AF-4380-861F-9CC1A08058F8}" type="slidenum">
               <a:rPr lang="zh-CN" altLang="en-US" smtClean="0"/>
               <a:t>‹#›</a:t>
             </a:fld>
@@ -2726,7 +2726,7 @@
     </p:spTree>
     <p:extLst>
       <p:ext uri="{BB962C8B-B14F-4D97-AF65-F5344CB8AC3E}">
-        <p14:creationId xmlns:p14="http://schemas.microsoft.com/office/powerpoint/2010/main" val="3138472524"/>
+        <p14:creationId xmlns:p14="http://schemas.microsoft.com/office/powerpoint/2010/main" val="260085989"/>
       </p:ext>
     </p:extLst>
   </p:cSld>
@@ -2763,7 +2763,7 @@
           <p:cNvPr id="2" name="标题占位符 1">
             <a:extLst>
               <a:ext uri="{FF2B5EF4-FFF2-40B4-BE49-F238E27FC236}">
-                <a16:creationId xmlns:a16="http://schemas.microsoft.com/office/drawing/2014/main" id="{FF9F7FAE-1F8F-2AB2-E907-46C02B1A91CB}"/>
+                <a16:creationId xmlns:a16="http://schemas.microsoft.com/office/drawing/2014/main" id="{CA30806F-F762-EAD9-DBCD-4C5EED7C6C28}"/>
               </a:ext>
             </a:extLst>
           </p:cNvPr>
@@ -2801,7 +2801,7 @@
           <p:cNvPr id="3" name="文本占位符 2">
             <a:extLst>
               <a:ext uri="{FF2B5EF4-FFF2-40B4-BE49-F238E27FC236}">
-                <a16:creationId xmlns:a16="http://schemas.microsoft.com/office/drawing/2014/main" id="{9FFE2D3A-81A7-FE3C-4118-5BA0EE64B399}"/>
+                <a16:creationId xmlns:a16="http://schemas.microsoft.com/office/drawing/2014/main" id="{FE8574DF-B4E8-601C-EA16-BB2FB39AAE35}"/>
               </a:ext>
             </a:extLst>
           </p:cNvPr>
@@ -2868,7 +2868,7 @@
           <p:cNvPr id="4" name="日期占位符 3">
             <a:extLst>
               <a:ext uri="{FF2B5EF4-FFF2-40B4-BE49-F238E27FC236}">
-                <a16:creationId xmlns:a16="http://schemas.microsoft.com/office/drawing/2014/main" id="{4E5FF22C-A861-003C-1AE6-D6B802C648FB}"/>
+                <a16:creationId xmlns:a16="http://schemas.microsoft.com/office/drawing/2014/main" id="{087A29E7-0183-E520-15B7-8CC6FA89920D}"/>
               </a:ext>
             </a:extLst>
           </p:cNvPr>
@@ -2902,7 +2902,7 @@
             </a:lvl1pPr>
           </a:lstStyle>
           <a:p>
-            <a:fld id="{1BE9911D-7C79-469D-BA47-65BE85705E4A}" type="datetimeFigureOut">
+            <a:fld id="{A0B4923F-0105-493B-A73F-5AE4E5948EDA}" type="datetimeFigureOut">
               <a:rPr lang="zh-CN" altLang="en-US" smtClean="0"/>
               <a:t>2024/3/10</a:t>
             </a:fld>
@@ -2915,7 +2915,7 @@
           <p:cNvPr id="5" name="页脚占位符 4">
             <a:extLst>
               <a:ext uri="{FF2B5EF4-FFF2-40B4-BE49-F238E27FC236}">
-                <a16:creationId xmlns:a16="http://schemas.microsoft.com/office/drawing/2014/main" id="{8CCA9ABD-BB11-0481-0AA5-6CF464F29782}"/>
+                <a16:creationId xmlns:a16="http://schemas.microsoft.com/office/drawing/2014/main" id="{7C6D6A4B-78EF-6D2C-7F5C-5E6588C8EB47}"/>
               </a:ext>
             </a:extLst>
           </p:cNvPr>
@@ -2958,7 +2958,7 @@
           <p:cNvPr id="6" name="灯片编号占位符 5">
             <a:extLst>
               <a:ext uri="{FF2B5EF4-FFF2-40B4-BE49-F238E27FC236}">
-                <a16:creationId xmlns:a16="http://schemas.microsoft.com/office/drawing/2014/main" id="{AF2086C8-F167-A35E-C2E3-6FEFE04C504C}"/>
+                <a16:creationId xmlns:a16="http://schemas.microsoft.com/office/drawing/2014/main" id="{4B758B18-B7AC-75F4-087C-DDBD4C372D3C}"/>
               </a:ext>
             </a:extLst>
           </p:cNvPr>
@@ -2992,7 +2992,7 @@
             </a:lvl1pPr>
           </a:lstStyle>
           <a:p>
-            <a:fld id="{5DE495C7-14C0-40B1-9733-43DFC5CDF328}" type="slidenum">
+            <a:fld id="{ED17C313-A2AF-4380-861F-9CC1A08058F8}" type="slidenum">
               <a:rPr lang="zh-CN" altLang="en-US" smtClean="0"/>
               <a:t>‹#›</a:t>
             </a:fld>
@@ -3003,7 +3003,7 @@
     </p:spTree>
     <p:extLst>
       <p:ext uri="{BB962C8B-B14F-4D97-AF65-F5344CB8AC3E}">
-        <p14:creationId xmlns:p14="http://schemas.microsoft.com/office/powerpoint/2010/main" val="2339417848"/>
+        <p14:creationId xmlns:p14="http://schemas.microsoft.com/office/powerpoint/2010/main" val="3038322870"/>
       </p:ext>
     </p:extLst>
   </p:cSld>
@@ -3323,7 +3323,7 @@
       </p:grpSpPr>
       <p:pic>
         <p:nvPicPr>
-          <p:cNvPr id="848898" name="Picture 2" descr="828"/>
+          <p:cNvPr id="849922" name="Picture 2" descr="829"/>
           <p:cNvPicPr>
             <a:picLocks noChangeAspect="1" noChangeArrowheads="1"/>
           </p:cNvPicPr>
@@ -3375,11 +3375,158 @@
           </a:extLst>
         </p:spPr>
       </p:pic>
+      <p:pic>
+        <p:nvPicPr>
+          <p:cNvPr id="850947" name="Picture 3" descr="829-2"/>
+          <p:cNvPicPr>
+            <a:picLocks noChangeAspect="1" noChangeArrowheads="1"/>
+          </p:cNvPicPr>
+          <p:nvPr/>
+        </p:nvPicPr>
+        <p:blipFill>
+          <a:blip r:embed="rId3">
+            <a:extLst>
+              <a:ext uri="{28A0092B-C50C-407E-A947-70E740481C1C}">
+                <a14:useLocalDpi xmlns:a14="http://schemas.microsoft.com/office/drawing/2010/main" val="0"/>
+              </a:ext>
+            </a:extLst>
+          </a:blip>
+          <a:srcRect/>
+          <a:stretch>
+            <a:fillRect/>
+          </a:stretch>
+        </p:blipFill>
+        <p:spPr bwMode="auto">
+          <a:xfrm>
+            <a:off x="1524000" y="0"/>
+            <a:ext cx="9144000" cy="6858000"/>
+          </a:xfrm>
+          <a:prstGeom prst="rect">
+            <a:avLst/>
+          </a:prstGeom>
+          <a:noFill/>
+          <a:ln>
+            <a:noFill/>
+          </a:ln>
+          <a:effectLst/>
+          <a:extLst>
+            <a:ext uri="{909E8E84-426E-40DD-AFC4-6F175D3DCCD1}">
+              <a14:hiddenFill xmlns:a14="http://schemas.microsoft.com/office/drawing/2010/main">
+                <a:solidFill>
+                  <a:srgbClr val="FFFFFF"/>
+                </a:solidFill>
+              </a14:hiddenFill>
+            </a:ext>
+            <a:ext uri="{91240B29-F687-4F45-9708-019B960494DF}">
+              <a14:hiddenLine xmlns:a14="http://schemas.microsoft.com/office/drawing/2010/main" w="9525">
+                <a:solidFill>
+                  <a:srgbClr val="000000"/>
+                </a:solidFill>
+                <a:miter lim="800000"/>
+                <a:headEnd/>
+                <a:tailEnd/>
+              </a14:hiddenLine>
+            </a:ext>
+            <a:ext uri="{AF507438-7753-43E0-B8FC-AC1667EBCBE1}">
+              <a14:hiddenEffects xmlns:a14="http://schemas.microsoft.com/office/drawing/2010/main">
+                <a:effectLst>
+                  <a:outerShdw dist="35921" dir="2700000" algn="ctr" rotWithShape="0">
+                    <a:srgbClr val="808080"/>
+                  </a:outerShdw>
+                </a:effectLst>
+              </a14:hiddenEffects>
+            </a:ext>
+          </a:extLst>
+        </p:spPr>
+      </p:pic>
     </p:spTree>
   </p:cSld>
   <p:clrMapOvr>
     <a:masterClrMapping/>
   </p:clrMapOvr>
+  <p:timing>
+    <p:tnLst>
+      <p:par>
+        <p:cTn id="1" dur="indefinite" restart="never" nodeType="tmRoot">
+          <p:childTnLst>
+            <p:seq concurrent="1" nextAc="seek">
+              <p:cTn id="2" dur="indefinite" nodeType="mainSeq">
+                <p:childTnLst>
+                  <p:par>
+                    <p:cTn id="3" fill="hold" nodeType="clickPar">
+                      <p:stCondLst>
+                        <p:cond delay="indefinite"/>
+                      </p:stCondLst>
+                      <p:childTnLst>
+                        <p:par>
+                          <p:cTn id="4" fill="hold" nodeType="withGroup">
+                            <p:stCondLst>
+                              <p:cond delay="0"/>
+                            </p:stCondLst>
+                            <p:childTnLst>
+                              <p:par>
+                                <p:cTn id="5" presetID="10" presetClass="entr" presetSubtype="0" fill="hold" nodeType="clickEffect">
+                                  <p:stCondLst>
+                                    <p:cond delay="0"/>
+                                  </p:stCondLst>
+                                  <p:childTnLst>
+                                    <p:set>
+                                      <p:cBhvr>
+                                        <p:cTn id="6" dur="1" fill="hold">
+                                          <p:stCondLst>
+                                            <p:cond delay="0"/>
+                                          </p:stCondLst>
+                                        </p:cTn>
+                                        <p:tgtEl>
+                                          <p:spTgt spid="850947"/>
+                                        </p:tgtEl>
+                                        <p:attrNameLst>
+                                          <p:attrName>style.visibility</p:attrName>
+                                        </p:attrNameLst>
+                                      </p:cBhvr>
+                                      <p:to>
+                                        <p:strVal val="visible"/>
+                                      </p:to>
+                                    </p:set>
+                                    <p:animEffect transition="in" filter="fade">
+                                      <p:cBhvr>
+                                        <p:cTn id="7" dur="500"/>
+                                        <p:tgtEl>
+                                          <p:spTgt spid="850947"/>
+                                        </p:tgtEl>
+                                      </p:cBhvr>
+                                    </p:animEffect>
+                                  </p:childTnLst>
+                                </p:cTn>
+                              </p:par>
+                            </p:childTnLst>
+                          </p:cTn>
+                        </p:par>
+                      </p:childTnLst>
+                    </p:cTn>
+                  </p:par>
+                </p:childTnLst>
+              </p:cTn>
+              <p:prevCondLst>
+                <p:cond evt="onPrev" delay="0">
+                  <p:tgtEl>
+                    <p:sldTgt/>
+                  </p:tgtEl>
+                </p:cond>
+              </p:prevCondLst>
+              <p:nextCondLst>
+                <p:cond evt="onNext" delay="0">
+                  <p:tgtEl>
+                    <p:sldTgt/>
+                  </p:tgtEl>
+                </p:cond>
+              </p:nextCondLst>
+            </p:seq>
+          </p:childTnLst>
+        </p:cTn>
+      </p:par>
+    </p:tnLst>
+  </p:timing>
 </p:sld>
 </file>
 
